--- a/SlideBaoCao.pptx
+++ b/SlideBaoCao.pptx
@@ -13,6 +13,7 @@
     <p:sldId id="260" r:id="rId7"/>
     <p:sldId id="261" r:id="rId8"/>
     <p:sldId id="262" r:id="rId9"/>
+    <p:sldId id="264" r:id="rId10"/>
   </p:sldIdLst>
   <p:sldSz cx="12192000" cy="6858000"/>
   <p:notesSz cx="6858000" cy="9144000"/>
@@ -111,6 +112,11 @@
       </a:defRPr>
     </a:lvl9pPr>
   </p:defaultTextStyle>
+  <p:extLst>
+    <p:ext uri="{EFAFB233-063F-42B5-8137-9DF3F51BA10A}">
+      <p15:sldGuideLst xmlns:p15="http://schemas.microsoft.com/office/powerpoint/2012/main"/>
+    </p:ext>
+  </p:extLst>
 </p:presentation>
 </file>
 
@@ -6487,6 +6493,13 @@
     <dgm:pt modelId="{53FEC44F-8DC6-469D-BF42-1473FFF908D9}" type="pres">
       <dgm:prSet presAssocID="{AF663EAF-D7AA-4932-A7C0-76CE40400F74}" presName="conn" presStyleLbl="parChTrans1D2" presStyleIdx="0" presStyleCnt="1"/>
       <dgm:spPr/>
+      <dgm:t>
+        <a:bodyPr/>
+        <a:lstStyle/>
+        <a:p>
+          <a:endParaRPr lang="en-US"/>
+        </a:p>
+      </dgm:t>
     </dgm:pt>
     <dgm:pt modelId="{C76F8038-FA59-4AE5-A1C4-C276D322BAA7}" type="pres">
       <dgm:prSet presAssocID="{AF663EAF-D7AA-4932-A7C0-76CE40400F74}" presName="extraNode" presStyleLbl="node1" presStyleIdx="0" presStyleCnt="5"/>
@@ -6613,18 +6626,18 @@
     </dgm:pt>
   </dgm:ptLst>
   <dgm:cxnLst>
+    <dgm:cxn modelId="{0DD15E65-7A7E-41B6-8948-70A9E3218C5E}" type="presOf" srcId="{D5299DEA-0C5F-43E4-B1AD-2CF845B2BCD7}" destId="{B5F4E791-0B8F-4066-BA1E-813FF1042349}" srcOrd="0" destOrd="0" presId="urn:microsoft.com/office/officeart/2008/layout/VerticalCurvedList"/>
+    <dgm:cxn modelId="{72059825-E16B-4F00-A16C-7D3A23BFE7F7}" type="presOf" srcId="{93506947-8E2B-4BB3-9E49-B06D24858B80}" destId="{53FEC44F-8DC6-469D-BF42-1473FFF908D9}" srcOrd="0" destOrd="0" presId="urn:microsoft.com/office/officeart/2008/layout/VerticalCurvedList"/>
+    <dgm:cxn modelId="{F44E51AA-0D4E-4CCA-91CC-079B9E8AFA4E}" srcId="{AF663EAF-D7AA-4932-A7C0-76CE40400F74}" destId="{D5299DEA-0C5F-43E4-B1AD-2CF845B2BCD7}" srcOrd="2" destOrd="0" parTransId="{830657FD-D676-4F65-84FB-77A2CA6F608C}" sibTransId="{2E339DD6-7D27-4153-801E-5DB0F5038972}"/>
+    <dgm:cxn modelId="{4F2C85A6-C14C-444E-B8B1-1E7BFF78CFB2}" type="presOf" srcId="{0F3FBE3B-5708-4B23-8297-2057FC9DF4EA}" destId="{F0CA0EB6-FF96-4B7E-9F2D-B6CE24E87602}" srcOrd="0" destOrd="0" presId="urn:microsoft.com/office/officeart/2008/layout/VerticalCurvedList"/>
+    <dgm:cxn modelId="{3063AAD2-0C32-4321-BCEF-297D41DC4C8F}" srcId="{AF663EAF-D7AA-4932-A7C0-76CE40400F74}" destId="{3DDFBE53-3A22-4E23-AA22-4C7E5FDB1DD1}" srcOrd="0" destOrd="0" parTransId="{0BFC3362-934D-405A-8F78-8A4A4DD241CC}" sibTransId="{93506947-8E2B-4BB3-9E49-B06D24858B80}"/>
+    <dgm:cxn modelId="{AAE2D5A3-D15D-4663-AA05-3D4451F02FE0}" type="presOf" srcId="{96A5385A-81E3-4808-97D4-01F8149F432C}" destId="{0FA5BC37-A3F4-4888-B49D-09A64859B329}" srcOrd="0" destOrd="0" presId="urn:microsoft.com/office/officeart/2008/layout/VerticalCurvedList"/>
+    <dgm:cxn modelId="{833C1F9E-B51B-4A82-85F3-6B4FE2034B8F}" type="presOf" srcId="{7D626DCD-7CAB-4560-97C7-BCDD55A4EB02}" destId="{D7781F1F-A3B0-46D9-A31F-527DB0533B81}" srcOrd="0" destOrd="0" presId="urn:microsoft.com/office/officeart/2008/layout/VerticalCurvedList"/>
+    <dgm:cxn modelId="{0F64E1EA-200C-473E-B2C8-9EE77569D6CA}" type="presOf" srcId="{3DDFBE53-3A22-4E23-AA22-4C7E5FDB1DD1}" destId="{04F02F4C-1941-4199-9738-AC46ACD2AFF0}" srcOrd="0" destOrd="0" presId="urn:microsoft.com/office/officeart/2008/layout/VerticalCurvedList"/>
+    <dgm:cxn modelId="{67D3595F-F2B3-4C17-A855-7FC87400E0E3}" srcId="{AF663EAF-D7AA-4932-A7C0-76CE40400F74}" destId="{7D626DCD-7CAB-4560-97C7-BCDD55A4EB02}" srcOrd="4" destOrd="0" parTransId="{57FB0783-F7A6-4568-AA9F-5A6E25D54E10}" sibTransId="{3EE24C71-6DF3-408F-97F1-587710C9DE19}"/>
     <dgm:cxn modelId="{CD8D350F-38D3-45D9-B459-72530539137B}" srcId="{AF663EAF-D7AA-4932-A7C0-76CE40400F74}" destId="{96A5385A-81E3-4808-97D4-01F8149F432C}" srcOrd="1" destOrd="0" parTransId="{48E90133-B47C-4310-B53E-56D6B6C7FAD7}" sibTransId="{FE519FEB-7676-4AD7-9E3C-CC4D418DEB8F}"/>
-    <dgm:cxn modelId="{F44E51AA-0D4E-4CCA-91CC-079B9E8AFA4E}" srcId="{AF663EAF-D7AA-4932-A7C0-76CE40400F74}" destId="{D5299DEA-0C5F-43E4-B1AD-2CF845B2BCD7}" srcOrd="2" destOrd="0" parTransId="{830657FD-D676-4F65-84FB-77A2CA6F608C}" sibTransId="{2E339DD6-7D27-4153-801E-5DB0F5038972}"/>
     <dgm:cxn modelId="{2AE671C4-16C5-4EDB-9A37-1916CC8A6AAF}" srcId="{AF663EAF-D7AA-4932-A7C0-76CE40400F74}" destId="{0F3FBE3B-5708-4B23-8297-2057FC9DF4EA}" srcOrd="3" destOrd="0" parTransId="{D7303938-D4B6-4738-BAA4-B898726A8769}" sibTransId="{16BD43A8-6FE0-4487-BB2D-5B8053424515}"/>
-    <dgm:cxn modelId="{4F2C85A6-C14C-444E-B8B1-1E7BFF78CFB2}" type="presOf" srcId="{0F3FBE3B-5708-4B23-8297-2057FC9DF4EA}" destId="{F0CA0EB6-FF96-4B7E-9F2D-B6CE24E87602}" srcOrd="0" destOrd="0" presId="urn:microsoft.com/office/officeart/2008/layout/VerticalCurvedList"/>
     <dgm:cxn modelId="{8863038A-5311-48F1-992D-63CEFBE171B2}" type="presOf" srcId="{AF663EAF-D7AA-4932-A7C0-76CE40400F74}" destId="{93A54597-6827-4D40-B66C-9731D59FAAAE}" srcOrd="0" destOrd="0" presId="urn:microsoft.com/office/officeart/2008/layout/VerticalCurvedList"/>
-    <dgm:cxn modelId="{72059825-E16B-4F00-A16C-7D3A23BFE7F7}" type="presOf" srcId="{93506947-8E2B-4BB3-9E49-B06D24858B80}" destId="{53FEC44F-8DC6-469D-BF42-1473FFF908D9}" srcOrd="0" destOrd="0" presId="urn:microsoft.com/office/officeart/2008/layout/VerticalCurvedList"/>
-    <dgm:cxn modelId="{AAE2D5A3-D15D-4663-AA05-3D4451F02FE0}" type="presOf" srcId="{96A5385A-81E3-4808-97D4-01F8149F432C}" destId="{0FA5BC37-A3F4-4888-B49D-09A64859B329}" srcOrd="0" destOrd="0" presId="urn:microsoft.com/office/officeart/2008/layout/VerticalCurvedList"/>
-    <dgm:cxn modelId="{67D3595F-F2B3-4C17-A855-7FC87400E0E3}" srcId="{AF663EAF-D7AA-4932-A7C0-76CE40400F74}" destId="{7D626DCD-7CAB-4560-97C7-BCDD55A4EB02}" srcOrd="4" destOrd="0" parTransId="{57FB0783-F7A6-4568-AA9F-5A6E25D54E10}" sibTransId="{3EE24C71-6DF3-408F-97F1-587710C9DE19}"/>
-    <dgm:cxn modelId="{3063AAD2-0C32-4321-BCEF-297D41DC4C8F}" srcId="{AF663EAF-D7AA-4932-A7C0-76CE40400F74}" destId="{3DDFBE53-3A22-4E23-AA22-4C7E5FDB1DD1}" srcOrd="0" destOrd="0" parTransId="{0BFC3362-934D-405A-8F78-8A4A4DD241CC}" sibTransId="{93506947-8E2B-4BB3-9E49-B06D24858B80}"/>
-    <dgm:cxn modelId="{0F64E1EA-200C-473E-B2C8-9EE77569D6CA}" type="presOf" srcId="{3DDFBE53-3A22-4E23-AA22-4C7E5FDB1DD1}" destId="{04F02F4C-1941-4199-9738-AC46ACD2AFF0}" srcOrd="0" destOrd="0" presId="urn:microsoft.com/office/officeart/2008/layout/VerticalCurvedList"/>
-    <dgm:cxn modelId="{0DD15E65-7A7E-41B6-8948-70A9E3218C5E}" type="presOf" srcId="{D5299DEA-0C5F-43E4-B1AD-2CF845B2BCD7}" destId="{B5F4E791-0B8F-4066-BA1E-813FF1042349}" srcOrd="0" destOrd="0" presId="urn:microsoft.com/office/officeart/2008/layout/VerticalCurvedList"/>
-    <dgm:cxn modelId="{833C1F9E-B51B-4A82-85F3-6B4FE2034B8F}" type="presOf" srcId="{7D626DCD-7CAB-4560-97C7-BCDD55A4EB02}" destId="{D7781F1F-A3B0-46D9-A31F-527DB0533B81}" srcOrd="0" destOrd="0" presId="urn:microsoft.com/office/officeart/2008/layout/VerticalCurvedList"/>
     <dgm:cxn modelId="{26695AE9-5676-4927-ACF6-748289C84BCD}" type="presParOf" srcId="{93A54597-6827-4D40-B66C-9731D59FAAAE}" destId="{AB50D24E-DA45-443C-A5C0-EF52D4F22406}" srcOrd="0" destOrd="0" presId="urn:microsoft.com/office/officeart/2008/layout/VerticalCurvedList"/>
     <dgm:cxn modelId="{86A80014-087F-462C-9371-8B6B9F58F9C3}" type="presParOf" srcId="{AB50D24E-DA45-443C-A5C0-EF52D4F22406}" destId="{6FDF3964-4941-407F-BFF9-CAB82A5100D7}" srcOrd="0" destOrd="0" presId="urn:microsoft.com/office/officeart/2008/layout/VerticalCurvedList"/>
     <dgm:cxn modelId="{C50C8498-1EFA-46FE-8DB7-CBCD3DB3F7BE}" type="presParOf" srcId="{6FDF3964-4941-407F-BFF9-CAB82A5100D7}" destId="{72AA5998-A774-41F4-9B9D-748BB32C5399}" srcOrd="0" destOrd="0" presId="urn:microsoft.com/office/officeart/2008/layout/VerticalCurvedList"/>
@@ -6987,6 +7000,13 @@
         </dgm:presLayoutVars>
       </dgm:prSet>
       <dgm:spPr/>
+      <dgm:t>
+        <a:bodyPr/>
+        <a:lstStyle/>
+        <a:p>
+          <a:endParaRPr lang="en-US"/>
+        </a:p>
+      </dgm:t>
     </dgm:pt>
     <dgm:pt modelId="{CB282BF1-9E12-44FB-9799-04C108866EE1}" type="pres">
       <dgm:prSet presAssocID="{D65D53C5-EFF7-4867-B193-3447C09BE8B7}" presName="composite" presStyleCnt="0"/>
@@ -7009,6 +7029,13 @@
           </a:stretch>
         </a:blipFill>
       </dgm:spPr>
+      <dgm:t>
+        <a:bodyPr/>
+        <a:lstStyle/>
+        <a:p>
+          <a:endParaRPr lang="en-US"/>
+        </a:p>
+      </dgm:t>
     </dgm:pt>
     <dgm:pt modelId="{9307A539-F04A-4DCB-8C02-0A88C613D674}" type="pres">
       <dgm:prSet presAssocID="{D65D53C5-EFF7-4867-B193-3447C09BE8B7}" presName="wedgeRectCallout1" presStyleLbl="node1" presStyleIdx="0" presStyleCnt="4">
@@ -7310,14 +7337,35 @@
         </dgm:presLayoutVars>
       </dgm:prSet>
       <dgm:spPr/>
+      <dgm:t>
+        <a:bodyPr/>
+        <a:lstStyle/>
+        <a:p>
+          <a:endParaRPr lang="en-US"/>
+        </a:p>
+      </dgm:t>
     </dgm:pt>
     <dgm:pt modelId="{69151F16-8875-47BA-843E-3D531AFD72AA}" type="pres">
       <dgm:prSet presAssocID="{450E8D29-2216-4AF6-8E20-9F0FE97C4E67}" presName="sibTrans" presStyleLbl="sibTrans2D1" presStyleIdx="0" presStyleCnt="1"/>
       <dgm:spPr/>
+      <dgm:t>
+        <a:bodyPr/>
+        <a:lstStyle/>
+        <a:p>
+          <a:endParaRPr lang="en-US"/>
+        </a:p>
+      </dgm:t>
     </dgm:pt>
     <dgm:pt modelId="{D97F76FB-3D5C-4DDE-90AB-C1D7A8ED9C0D}" type="pres">
       <dgm:prSet presAssocID="{450E8D29-2216-4AF6-8E20-9F0FE97C4E67}" presName="connectorText" presStyleLbl="sibTrans2D1" presStyleIdx="0" presStyleCnt="1"/>
       <dgm:spPr/>
+      <dgm:t>
+        <a:bodyPr/>
+        <a:lstStyle/>
+        <a:p>
+          <a:endParaRPr lang="en-US"/>
+        </a:p>
+      </dgm:t>
     </dgm:pt>
     <dgm:pt modelId="{67BCA8F9-1BEA-4020-8CD2-12490824A98D}" type="pres">
       <dgm:prSet presAssocID="{28502C95-0AC3-4B40-9FE7-F00C9A4133D6}" presName="node" presStyleLbl="node1" presStyleIdx="1" presStyleCnt="2" custLinFactY="-12630" custLinFactNeighborX="-836" custLinFactNeighborY="-100000">
@@ -7326,12 +7374,19 @@
         </dgm:presLayoutVars>
       </dgm:prSet>
       <dgm:spPr/>
+      <dgm:t>
+        <a:bodyPr/>
+        <a:lstStyle/>
+        <a:p>
+          <a:endParaRPr lang="en-US"/>
+        </a:p>
+      </dgm:t>
     </dgm:pt>
   </dgm:ptLst>
   <dgm:cxnLst>
-    <dgm:cxn modelId="{8AD95BA6-0D90-448C-B4D2-E35B4F499885}" type="presOf" srcId="{1211A16B-D6ED-46F7-8B33-D40B19D9F7FC}" destId="{7EFEC91A-CA72-455C-8773-C38E058BCE25}" srcOrd="0" destOrd="0" presId="urn:microsoft.com/office/officeart/2005/8/layout/process1"/>
     <dgm:cxn modelId="{3BCD640D-6B6D-4DA6-86ED-120FEC8F5A1F}" srcId="{97AB4C8D-980D-443A-A0E1-0CF08F473978}" destId="{1211A16B-D6ED-46F7-8B33-D40B19D9F7FC}" srcOrd="0" destOrd="0" parTransId="{7FCFB2B2-B6E0-4D7C-A74B-6365D4483979}" sibTransId="{450E8D29-2216-4AF6-8E20-9F0FE97C4E67}"/>
     <dgm:cxn modelId="{EE12F7A0-96A3-402A-8AC0-906E58E41416}" type="presOf" srcId="{97AB4C8D-980D-443A-A0E1-0CF08F473978}" destId="{C612DE96-5DB4-4FA4-A0E0-CF8E3C5C7F39}" srcOrd="0" destOrd="0" presId="urn:microsoft.com/office/officeart/2005/8/layout/process1"/>
+    <dgm:cxn modelId="{8AD95BA6-0D90-448C-B4D2-E35B4F499885}" type="presOf" srcId="{1211A16B-D6ED-46F7-8B33-D40B19D9F7FC}" destId="{7EFEC91A-CA72-455C-8773-C38E058BCE25}" srcOrd="0" destOrd="0" presId="urn:microsoft.com/office/officeart/2005/8/layout/process1"/>
     <dgm:cxn modelId="{BFE82C60-F1B7-4F41-B788-09E3FA9977AB}" srcId="{97AB4C8D-980D-443A-A0E1-0CF08F473978}" destId="{28502C95-0AC3-4B40-9FE7-F00C9A4133D6}" srcOrd="1" destOrd="0" parTransId="{8DF9D4F8-6EA2-4A50-A9E5-AA9590F29883}" sibTransId="{599D18C4-9516-44FC-B19A-A3A99D564455}"/>
     <dgm:cxn modelId="{5B43EB1D-CFB8-4000-990D-3854FDA1E68C}" type="presOf" srcId="{450E8D29-2216-4AF6-8E20-9F0FE97C4E67}" destId="{D97F76FB-3D5C-4DDE-90AB-C1D7A8ED9C0D}" srcOrd="1" destOrd="0" presId="urn:microsoft.com/office/officeart/2005/8/layout/process1"/>
     <dgm:cxn modelId="{29B8A82C-D53F-4124-9946-D427D80632B4}" type="presOf" srcId="{28502C95-0AC3-4B40-9FE7-F00C9A4133D6}" destId="{67BCA8F9-1BEA-4020-8CD2-12490824A98D}" srcOrd="0" destOrd="0" presId="urn:microsoft.com/office/officeart/2005/8/layout/process1"/>
@@ -7478,14 +7533,35 @@
         </dgm:presLayoutVars>
       </dgm:prSet>
       <dgm:spPr/>
+      <dgm:t>
+        <a:bodyPr/>
+        <a:lstStyle/>
+        <a:p>
+          <a:endParaRPr lang="en-US"/>
+        </a:p>
+      </dgm:t>
     </dgm:pt>
     <dgm:pt modelId="{E3E5684A-B6CD-4C87-9CEF-FBEB1ACF7B81}" type="pres">
       <dgm:prSet presAssocID="{F86FFBC0-944F-432B-8ED1-72836E1481FD}" presName="sibTrans" presStyleLbl="sibTrans2D1" presStyleIdx="0" presStyleCnt="1"/>
       <dgm:spPr/>
+      <dgm:t>
+        <a:bodyPr/>
+        <a:lstStyle/>
+        <a:p>
+          <a:endParaRPr lang="en-US"/>
+        </a:p>
+      </dgm:t>
     </dgm:pt>
     <dgm:pt modelId="{A9D1288C-F02A-406C-91BE-8824747D056A}" type="pres">
       <dgm:prSet presAssocID="{F86FFBC0-944F-432B-8ED1-72836E1481FD}" presName="connectorText" presStyleLbl="sibTrans2D1" presStyleIdx="0" presStyleCnt="1"/>
       <dgm:spPr/>
+      <dgm:t>
+        <a:bodyPr/>
+        <a:lstStyle/>
+        <a:p>
+          <a:endParaRPr lang="en-US"/>
+        </a:p>
+      </dgm:t>
     </dgm:pt>
     <dgm:pt modelId="{A2A8BBFC-CA0C-4944-9B58-811C628ED99C}" type="pres">
       <dgm:prSet presAssocID="{1F1A2B52-8CD0-45CB-B017-7602A815FBCF}" presName="node" presStyleLbl="node1" presStyleIdx="1" presStyleCnt="2">
@@ -7494,16 +7570,23 @@
         </dgm:presLayoutVars>
       </dgm:prSet>
       <dgm:spPr/>
+      <dgm:t>
+        <a:bodyPr/>
+        <a:lstStyle/>
+        <a:p>
+          <a:endParaRPr lang="en-US"/>
+        </a:p>
+      </dgm:t>
     </dgm:pt>
   </dgm:ptLst>
   <dgm:cxnLst>
-    <dgm:cxn modelId="{F120B833-D7D9-4EA1-A949-ED269EAE4127}" type="presOf" srcId="{179CAEB7-87AE-4655-A1C9-D35DBF636293}" destId="{90AD8C8B-DC2D-4800-BEDC-2E390DEB3BC5}" srcOrd="0" destOrd="0" presId="urn:microsoft.com/office/officeart/2005/8/layout/process1"/>
     <dgm:cxn modelId="{01BB1D5E-6131-44EB-8DD6-8ACA0D3999C5}" type="presOf" srcId="{1F1A2B52-8CD0-45CB-B017-7602A815FBCF}" destId="{A2A8BBFC-CA0C-4944-9B58-811C628ED99C}" srcOrd="0" destOrd="0" presId="urn:microsoft.com/office/officeart/2005/8/layout/process1"/>
     <dgm:cxn modelId="{BBB90899-FCB6-4D3E-9623-510F91F74A14}" type="presOf" srcId="{5D50EEDB-194D-4A76-8965-65ED04636D0F}" destId="{B3354539-F244-4A93-BEDB-85DAE4971787}" srcOrd="0" destOrd="0" presId="urn:microsoft.com/office/officeart/2005/8/layout/process1"/>
+    <dgm:cxn modelId="{A8D94C49-ED61-4D61-8866-CD4E333592EC}" type="presOf" srcId="{F86FFBC0-944F-432B-8ED1-72836E1481FD}" destId="{E3E5684A-B6CD-4C87-9CEF-FBEB1ACF7B81}" srcOrd="0" destOrd="0" presId="urn:microsoft.com/office/officeart/2005/8/layout/process1"/>
+    <dgm:cxn modelId="{2F56A851-DADF-4790-A6F3-8382697D55EA}" srcId="{5D50EEDB-194D-4A76-8965-65ED04636D0F}" destId="{179CAEB7-87AE-4655-A1C9-D35DBF636293}" srcOrd="0" destOrd="0" parTransId="{EB0B3EA2-B8F5-4B87-8787-E3E52B95138B}" sibTransId="{F86FFBC0-944F-432B-8ED1-72836E1481FD}"/>
     <dgm:cxn modelId="{3CFA8B85-2E0D-4806-89E1-F1AE2CB49745}" type="presOf" srcId="{F86FFBC0-944F-432B-8ED1-72836E1481FD}" destId="{A9D1288C-F02A-406C-91BE-8824747D056A}" srcOrd="1" destOrd="0" presId="urn:microsoft.com/office/officeart/2005/8/layout/process1"/>
-    <dgm:cxn modelId="{2F56A851-DADF-4790-A6F3-8382697D55EA}" srcId="{5D50EEDB-194D-4A76-8965-65ED04636D0F}" destId="{179CAEB7-87AE-4655-A1C9-D35DBF636293}" srcOrd="0" destOrd="0" parTransId="{EB0B3EA2-B8F5-4B87-8787-E3E52B95138B}" sibTransId="{F86FFBC0-944F-432B-8ED1-72836E1481FD}"/>
-    <dgm:cxn modelId="{A8D94C49-ED61-4D61-8866-CD4E333592EC}" type="presOf" srcId="{F86FFBC0-944F-432B-8ED1-72836E1481FD}" destId="{E3E5684A-B6CD-4C87-9CEF-FBEB1ACF7B81}" srcOrd="0" destOrd="0" presId="urn:microsoft.com/office/officeart/2005/8/layout/process1"/>
     <dgm:cxn modelId="{138DEB2F-B784-464F-B841-D87FA2A31657}" srcId="{5D50EEDB-194D-4A76-8965-65ED04636D0F}" destId="{1F1A2B52-8CD0-45CB-B017-7602A815FBCF}" srcOrd="1" destOrd="0" parTransId="{6DF4A066-9A37-44E2-834D-8334D4EB835C}" sibTransId="{ED09F392-0EB4-4B38-A1C7-7082DF6D8CA0}"/>
+    <dgm:cxn modelId="{F120B833-D7D9-4EA1-A949-ED269EAE4127}" type="presOf" srcId="{179CAEB7-87AE-4655-A1C9-D35DBF636293}" destId="{90AD8C8B-DC2D-4800-BEDC-2E390DEB3BC5}" srcOrd="0" destOrd="0" presId="urn:microsoft.com/office/officeart/2005/8/layout/process1"/>
     <dgm:cxn modelId="{971ABC22-3D27-4597-AE22-E69971DDA683}" type="presParOf" srcId="{B3354539-F244-4A93-BEDB-85DAE4971787}" destId="{90AD8C8B-DC2D-4800-BEDC-2E390DEB3BC5}" srcOrd="0" destOrd="0" presId="urn:microsoft.com/office/officeart/2005/8/layout/process1"/>
     <dgm:cxn modelId="{EFC7BA4F-D6B8-4F26-9416-52208641D5EB}" type="presParOf" srcId="{B3354539-F244-4A93-BEDB-85DAE4971787}" destId="{E3E5684A-B6CD-4C87-9CEF-FBEB1ACF7B81}" srcOrd="1" destOrd="0" presId="urn:microsoft.com/office/officeart/2005/8/layout/process1"/>
     <dgm:cxn modelId="{DA39EC69-9F22-45FA-A267-D1F7953EC2A1}" type="presParOf" srcId="{E3E5684A-B6CD-4C87-9CEF-FBEB1ACF7B81}" destId="{A9D1288C-F02A-406C-91BE-8824747D056A}" srcOrd="0" destOrd="0" presId="urn:microsoft.com/office/officeart/2005/8/layout/process1"/>
@@ -7753,6 +7836,13 @@
         </dgm:presLayoutVars>
       </dgm:prSet>
       <dgm:spPr/>
+      <dgm:t>
+        <a:bodyPr/>
+        <a:lstStyle/>
+        <a:p>
+          <a:endParaRPr lang="en-US"/>
+        </a:p>
+      </dgm:t>
     </dgm:pt>
     <dgm:pt modelId="{7D7E9F63-BB71-4F78-9037-887E47065290}" type="pres">
       <dgm:prSet presAssocID="{91E0F9F4-5472-4A02-B8A4-9627DD3835DB}" presName="Accent1" presStyleCnt="0"/>
@@ -7796,6 +7886,13 @@
         </dgm:presLayoutVars>
       </dgm:prSet>
       <dgm:spPr/>
+      <dgm:t>
+        <a:bodyPr/>
+        <a:lstStyle/>
+        <a:p>
+          <a:endParaRPr lang="en-US"/>
+        </a:p>
+      </dgm:t>
     </dgm:pt>
     <dgm:pt modelId="{4BA22411-3734-41D8-935D-7E09F59ADD20}" type="pres">
       <dgm:prSet presAssocID="{9D744D53-43AE-451A-AAA0-B088B6156691}" presName="Accent3" presStyleCnt="0"/>
@@ -7814,16 +7911,23 @@
         </dgm:presLayoutVars>
       </dgm:prSet>
       <dgm:spPr/>
+      <dgm:t>
+        <a:bodyPr/>
+        <a:lstStyle/>
+        <a:p>
+          <a:endParaRPr lang="en-US"/>
+        </a:p>
+      </dgm:t>
     </dgm:pt>
   </dgm:ptLst>
   <dgm:cxnLst>
+    <dgm:cxn modelId="{93C64B6D-461B-41C3-B56A-59B0F0834AA4}" type="presOf" srcId="{9D744D53-43AE-451A-AAA0-B088B6156691}" destId="{A3FFAD0F-9AA8-4AA8-9315-35D7188B41DF}" srcOrd="0" destOrd="0" presId="urn:microsoft.com/office/officeart/2009/layout/CircleArrowProcess"/>
+    <dgm:cxn modelId="{1066691F-86B0-4BA2-A6D0-D41D904AA6C9}" type="presOf" srcId="{1827EC71-B76A-4B20-8DAB-F79FCF79AEAB}" destId="{0F85DF8C-43C6-4568-90A9-1A1EECB78106}" srcOrd="0" destOrd="0" presId="urn:microsoft.com/office/officeart/2009/layout/CircleArrowProcess"/>
     <dgm:cxn modelId="{B779ABDE-83B2-4B2E-BAEE-DDDD72DDA49A}" srcId="{25D278CE-07F1-4FF9-8B26-320F8EC9512A}" destId="{91E0F9F4-5472-4A02-B8A4-9627DD3835DB}" srcOrd="0" destOrd="0" parTransId="{67B63BB3-77FE-4918-BBC8-22FB4E91B27B}" sibTransId="{5559699F-0B30-41DF-AB35-0E6E00D10E56}"/>
+    <dgm:cxn modelId="{B399FA36-FAF5-4D41-8AA6-410911F7CD53}" type="presOf" srcId="{25D278CE-07F1-4FF9-8B26-320F8EC9512A}" destId="{4EE615AF-DA18-4FEF-A715-672D8A9F3021}" srcOrd="0" destOrd="0" presId="urn:microsoft.com/office/officeart/2009/layout/CircleArrowProcess"/>
+    <dgm:cxn modelId="{002A0C35-6331-4346-BBC3-9775218C69D6}" type="presOf" srcId="{91E0F9F4-5472-4A02-B8A4-9627DD3835DB}" destId="{65D72CF3-D059-4C5E-9E5B-E663E82E635F}" srcOrd="0" destOrd="0" presId="urn:microsoft.com/office/officeart/2009/layout/CircleArrowProcess"/>
     <dgm:cxn modelId="{ED7D609B-056C-465E-A5D6-C0895788F1ED}" srcId="{25D278CE-07F1-4FF9-8B26-320F8EC9512A}" destId="{9D744D53-43AE-451A-AAA0-B088B6156691}" srcOrd="2" destOrd="0" parTransId="{FB54B584-B088-46C1-9933-EEB38E8C3721}" sibTransId="{0E7A6959-0C79-473F-B7A5-ED01D3934C80}"/>
-    <dgm:cxn modelId="{93C64B6D-461B-41C3-B56A-59B0F0834AA4}" type="presOf" srcId="{9D744D53-43AE-451A-AAA0-B088B6156691}" destId="{A3FFAD0F-9AA8-4AA8-9315-35D7188B41DF}" srcOrd="0" destOrd="0" presId="urn:microsoft.com/office/officeart/2009/layout/CircleArrowProcess"/>
-    <dgm:cxn modelId="{002A0C35-6331-4346-BBC3-9775218C69D6}" type="presOf" srcId="{91E0F9F4-5472-4A02-B8A4-9627DD3835DB}" destId="{65D72CF3-D059-4C5E-9E5B-E663E82E635F}" srcOrd="0" destOrd="0" presId="urn:microsoft.com/office/officeart/2009/layout/CircleArrowProcess"/>
-    <dgm:cxn modelId="{B399FA36-FAF5-4D41-8AA6-410911F7CD53}" type="presOf" srcId="{25D278CE-07F1-4FF9-8B26-320F8EC9512A}" destId="{4EE615AF-DA18-4FEF-A715-672D8A9F3021}" srcOrd="0" destOrd="0" presId="urn:microsoft.com/office/officeart/2009/layout/CircleArrowProcess"/>
     <dgm:cxn modelId="{C2B561C7-0B77-427C-AD1F-932120660FA0}" srcId="{25D278CE-07F1-4FF9-8B26-320F8EC9512A}" destId="{1827EC71-B76A-4B20-8DAB-F79FCF79AEAB}" srcOrd="1" destOrd="0" parTransId="{845F88CC-3C6B-46A7-B124-8D134ED76132}" sibTransId="{8ABD2E1B-0BA7-4B8A-998A-B84EE4C93B66}"/>
-    <dgm:cxn modelId="{1066691F-86B0-4BA2-A6D0-D41D904AA6C9}" type="presOf" srcId="{1827EC71-B76A-4B20-8DAB-F79FCF79AEAB}" destId="{0F85DF8C-43C6-4568-90A9-1A1EECB78106}" srcOrd="0" destOrd="0" presId="urn:microsoft.com/office/officeart/2009/layout/CircleArrowProcess"/>
     <dgm:cxn modelId="{BCE9241B-5311-407A-8BF8-BE3DE54E372E}" type="presParOf" srcId="{4EE615AF-DA18-4FEF-A715-672D8A9F3021}" destId="{7D7E9F63-BB71-4F78-9037-887E47065290}" srcOrd="0" destOrd="0" presId="urn:microsoft.com/office/officeart/2009/layout/CircleArrowProcess"/>
     <dgm:cxn modelId="{FB1D4E9C-6411-45AB-AB9E-A58685E24B04}" type="presParOf" srcId="{7D7E9F63-BB71-4F78-9037-887E47065290}" destId="{F57859F8-EB90-4811-8658-B54650656A71}" srcOrd="0" destOrd="0" presId="urn:microsoft.com/office/officeart/2009/layout/CircleArrowProcess"/>
     <dgm:cxn modelId="{85C76EB9-56EF-4628-BEB8-A38D4A3B1048}" type="presParOf" srcId="{4EE615AF-DA18-4FEF-A715-672D8A9F3021}" destId="{65D72CF3-D059-4C5E-9E5B-E663E82E635F}" srcOrd="1" destOrd="0" presId="urn:microsoft.com/office/officeart/2009/layout/CircleArrowProcess"/>
@@ -8440,6 +8544,13 @@
         </dgm:presLayoutVars>
       </dgm:prSet>
       <dgm:spPr/>
+      <dgm:t>
+        <a:bodyPr/>
+        <a:lstStyle/>
+        <a:p>
+          <a:endParaRPr lang="en-US"/>
+        </a:p>
+      </dgm:t>
     </dgm:pt>
     <dgm:pt modelId="{5D417F57-8B10-4246-B83D-EDBC967E4B99}" type="pres">
       <dgm:prSet presAssocID="{4307D207-8A70-4B40-8CC6-9444F618B62E}" presName="dummyMaxCanvas" presStyleCnt="0">
@@ -8469,6 +8580,13 @@
         </dgm:presLayoutVars>
       </dgm:prSet>
       <dgm:spPr/>
+      <dgm:t>
+        <a:bodyPr/>
+        <a:lstStyle/>
+        <a:p>
+          <a:endParaRPr lang="en-US"/>
+        </a:p>
+      </dgm:t>
     </dgm:pt>
     <dgm:pt modelId="{21E1FABA-EF24-4769-B569-BF965AB48A23}" type="pres">
       <dgm:prSet presAssocID="{4307D207-8A70-4B40-8CC6-9444F618B62E}" presName="ThreeNodes_3" presStyleLbl="node1" presStyleIdx="2" presStyleCnt="3">
@@ -8492,6 +8610,13 @@
         </dgm:presLayoutVars>
       </dgm:prSet>
       <dgm:spPr/>
+      <dgm:t>
+        <a:bodyPr/>
+        <a:lstStyle/>
+        <a:p>
+          <a:endParaRPr lang="en-US"/>
+        </a:p>
+      </dgm:t>
     </dgm:pt>
     <dgm:pt modelId="{25D016C1-4D49-4386-8277-24A86E1A6EE4}" type="pres">
       <dgm:prSet presAssocID="{4307D207-8A70-4B40-8CC6-9444F618B62E}" presName="ThreeConn_2-3" presStyleLbl="fgAccFollowNode1" presStyleIdx="1" presStyleCnt="2">
@@ -8500,6 +8625,13 @@
         </dgm:presLayoutVars>
       </dgm:prSet>
       <dgm:spPr/>
+      <dgm:t>
+        <a:bodyPr/>
+        <a:lstStyle/>
+        <a:p>
+          <a:endParaRPr lang="en-US"/>
+        </a:p>
+      </dgm:t>
     </dgm:pt>
     <dgm:pt modelId="{9DC801B4-4990-4320-9D11-265BEEF25B32}" type="pres">
       <dgm:prSet presAssocID="{4307D207-8A70-4B40-8CC6-9444F618B62E}" presName="ThreeNodes_1_text" presStyleLbl="node1" presStyleIdx="2" presStyleCnt="3">
@@ -8523,6 +8655,13 @@
         </dgm:presLayoutVars>
       </dgm:prSet>
       <dgm:spPr/>
+      <dgm:t>
+        <a:bodyPr/>
+        <a:lstStyle/>
+        <a:p>
+          <a:endParaRPr lang="en-US"/>
+        </a:p>
+      </dgm:t>
     </dgm:pt>
     <dgm:pt modelId="{91B7FFBB-D403-4B9E-86B5-D0FB9A3D2F51}" type="pres">
       <dgm:prSet presAssocID="{4307D207-8A70-4B40-8CC6-9444F618B62E}" presName="ThreeNodes_3_text" presStyleLbl="node1" presStyleIdx="2" presStyleCnt="3">
@@ -8541,18 +8680,18 @@
     </dgm:pt>
   </dgm:ptLst>
   <dgm:cxnLst>
+    <dgm:cxn modelId="{09C0E912-B3C5-448A-B2B7-31231C607157}" type="presOf" srcId="{FEBBB598-080A-4BE8-9095-7EF3593714A1}" destId="{91B7FFBB-D403-4B9E-86B5-D0FB9A3D2F51}" srcOrd="1" destOrd="0" presId="urn:microsoft.com/office/officeart/2005/8/layout/vProcess5"/>
+    <dgm:cxn modelId="{E68150D2-8AD2-4C0F-8B0B-D2D79702C274}" type="presOf" srcId="{F5483D0A-E497-49B6-9AC8-1A9C14517020}" destId="{B4DC00E8-D0A7-4C06-AFB7-F9BAFB86627B}" srcOrd="0" destOrd="0" presId="urn:microsoft.com/office/officeart/2005/8/layout/vProcess5"/>
+    <dgm:cxn modelId="{BAF08680-A445-440A-B359-011F04E67B0D}" srcId="{4307D207-8A70-4B40-8CC6-9444F618B62E}" destId="{6C8E8F54-949D-465E-B2E7-B7431A9547A0}" srcOrd="1" destOrd="0" parTransId="{DBA9B207-5D08-42E0-97E5-E640E77F002C}" sibTransId="{6CE4D410-4937-4F8D-A88E-411A768A1CA1}"/>
+    <dgm:cxn modelId="{F87ECB35-299D-4693-8415-72ECFD5FE2B0}" type="presOf" srcId="{FEBBB598-080A-4BE8-9095-7EF3593714A1}" destId="{21E1FABA-EF24-4769-B569-BF965AB48A23}" srcOrd="0" destOrd="0" presId="urn:microsoft.com/office/officeart/2005/8/layout/vProcess5"/>
+    <dgm:cxn modelId="{4D09591E-8BE9-4343-9AA9-AB3FBC6AD571}" srcId="{4307D207-8A70-4B40-8CC6-9444F618B62E}" destId="{FEBBB598-080A-4BE8-9095-7EF3593714A1}" srcOrd="2" destOrd="0" parTransId="{339A984E-638E-41C0-AD27-418EE9D6402E}" sibTransId="{C6297683-551B-44AF-8304-17B3829B86BA}"/>
+    <dgm:cxn modelId="{8894A8ED-C1E6-41D3-A8A5-5B810A028405}" type="presOf" srcId="{4307D207-8A70-4B40-8CC6-9444F618B62E}" destId="{D46AB0C9-6F33-48F1-84D1-AF81957E3CD0}" srcOrd="0" destOrd="0" presId="urn:microsoft.com/office/officeart/2005/8/layout/vProcess5"/>
     <dgm:cxn modelId="{1C742FBA-BB20-45DE-B3BE-FD831E1D15E2}" type="presOf" srcId="{2CA63C4E-9578-4C5A-8B2E-EBA8AE164E4B}" destId="{82359DFE-BC53-4262-937D-87C4469FF3F3}" srcOrd="0" destOrd="0" presId="urn:microsoft.com/office/officeart/2005/8/layout/vProcess5"/>
-    <dgm:cxn modelId="{BAF08680-A445-440A-B359-011F04E67B0D}" srcId="{4307D207-8A70-4B40-8CC6-9444F618B62E}" destId="{6C8E8F54-949D-465E-B2E7-B7431A9547A0}" srcOrd="1" destOrd="0" parTransId="{DBA9B207-5D08-42E0-97E5-E640E77F002C}" sibTransId="{6CE4D410-4937-4F8D-A88E-411A768A1CA1}"/>
-    <dgm:cxn modelId="{2C2329A0-6B22-4EC8-B6A4-E408B6201C61}" srcId="{4307D207-8A70-4B40-8CC6-9444F618B62E}" destId="{F5483D0A-E497-49B6-9AC8-1A9C14517020}" srcOrd="0" destOrd="0" parTransId="{D274A1BC-DBDE-4E40-8093-728D2821993A}" sibTransId="{2CA63C4E-9578-4C5A-8B2E-EBA8AE164E4B}"/>
     <dgm:cxn modelId="{431FABD0-AC74-4EDD-81BE-951DF24BA45C}" type="presOf" srcId="{6CE4D410-4937-4F8D-A88E-411A768A1CA1}" destId="{25D016C1-4D49-4386-8277-24A86E1A6EE4}" srcOrd="0" destOrd="0" presId="urn:microsoft.com/office/officeart/2005/8/layout/vProcess5"/>
     <dgm:cxn modelId="{64EF5C65-7264-4441-ABAA-8A83304B00A9}" type="presOf" srcId="{F5483D0A-E497-49B6-9AC8-1A9C14517020}" destId="{9DC801B4-4990-4320-9D11-265BEEF25B32}" srcOrd="1" destOrd="0" presId="urn:microsoft.com/office/officeart/2005/8/layout/vProcess5"/>
-    <dgm:cxn modelId="{8894A8ED-C1E6-41D3-A8A5-5B810A028405}" type="presOf" srcId="{4307D207-8A70-4B40-8CC6-9444F618B62E}" destId="{D46AB0C9-6F33-48F1-84D1-AF81957E3CD0}" srcOrd="0" destOrd="0" presId="urn:microsoft.com/office/officeart/2005/8/layout/vProcess5"/>
-    <dgm:cxn modelId="{4D09591E-8BE9-4343-9AA9-AB3FBC6AD571}" srcId="{4307D207-8A70-4B40-8CC6-9444F618B62E}" destId="{FEBBB598-080A-4BE8-9095-7EF3593714A1}" srcOrd="2" destOrd="0" parTransId="{339A984E-638E-41C0-AD27-418EE9D6402E}" sibTransId="{C6297683-551B-44AF-8304-17B3829B86BA}"/>
-    <dgm:cxn modelId="{F87ECB35-299D-4693-8415-72ECFD5FE2B0}" type="presOf" srcId="{FEBBB598-080A-4BE8-9095-7EF3593714A1}" destId="{21E1FABA-EF24-4769-B569-BF965AB48A23}" srcOrd="0" destOrd="0" presId="urn:microsoft.com/office/officeart/2005/8/layout/vProcess5"/>
     <dgm:cxn modelId="{2FBBEF45-8F8F-4B78-960B-F5472807CEC1}" type="presOf" srcId="{6C8E8F54-949D-465E-B2E7-B7431A9547A0}" destId="{85D0905B-F319-4F43-8D67-BC7C3A4030CD}" srcOrd="1" destOrd="0" presId="urn:microsoft.com/office/officeart/2005/8/layout/vProcess5"/>
     <dgm:cxn modelId="{FA86F0B9-1AEF-46D8-A164-4EDC1348B9B2}" type="presOf" srcId="{6C8E8F54-949D-465E-B2E7-B7431A9547A0}" destId="{8A23DDAC-CD6A-46F9-9561-14D7B2CC5D9B}" srcOrd="0" destOrd="0" presId="urn:microsoft.com/office/officeart/2005/8/layout/vProcess5"/>
-    <dgm:cxn modelId="{E68150D2-8AD2-4C0F-8B0B-D2D79702C274}" type="presOf" srcId="{F5483D0A-E497-49B6-9AC8-1A9C14517020}" destId="{B4DC00E8-D0A7-4C06-AFB7-F9BAFB86627B}" srcOrd="0" destOrd="0" presId="urn:microsoft.com/office/officeart/2005/8/layout/vProcess5"/>
-    <dgm:cxn modelId="{09C0E912-B3C5-448A-B2B7-31231C607157}" type="presOf" srcId="{FEBBB598-080A-4BE8-9095-7EF3593714A1}" destId="{91B7FFBB-D403-4B9E-86B5-D0FB9A3D2F51}" srcOrd="1" destOrd="0" presId="urn:microsoft.com/office/officeart/2005/8/layout/vProcess5"/>
+    <dgm:cxn modelId="{2C2329A0-6B22-4EC8-B6A4-E408B6201C61}" srcId="{4307D207-8A70-4B40-8CC6-9444F618B62E}" destId="{F5483D0A-E497-49B6-9AC8-1A9C14517020}" srcOrd="0" destOrd="0" parTransId="{D274A1BC-DBDE-4E40-8093-728D2821993A}" sibTransId="{2CA63C4E-9578-4C5A-8B2E-EBA8AE164E4B}"/>
     <dgm:cxn modelId="{1AA0D23B-7375-4D0B-B4F4-861166D8D26F}" type="presParOf" srcId="{D46AB0C9-6F33-48F1-84D1-AF81957E3CD0}" destId="{5D417F57-8B10-4246-B83D-EDBC967E4B99}" srcOrd="0" destOrd="0" presId="urn:microsoft.com/office/officeart/2005/8/layout/vProcess5"/>
     <dgm:cxn modelId="{63AF88CD-F6B6-49F0-BC7B-B64925897DFC}" type="presParOf" srcId="{D46AB0C9-6F33-48F1-84D1-AF81957E3CD0}" destId="{B4DC00E8-D0A7-4C06-AFB7-F9BAFB86627B}" srcOrd="1" destOrd="0" presId="urn:microsoft.com/office/officeart/2005/8/layout/vProcess5"/>
     <dgm:cxn modelId="{D04BA224-6433-4874-80A4-DEA593EF8B30}" type="presParOf" srcId="{D46AB0C9-6F33-48F1-84D1-AF81957E3CD0}" destId="{8A23DDAC-CD6A-46F9-9561-14D7B2CC5D9B}" srcOrd="2" destOrd="0" presId="urn:microsoft.com/office/officeart/2005/8/layout/vProcess5"/>
@@ -28918,7 +29057,7 @@
           <a:p>
             <a:fld id="{B9533010-B1B8-4438-9522-9E06D450DA3D}" type="datetimeFigureOut">
               <a:rPr lang="en-US" smtClean="0"/>
-              <a:t>4/14/2016</a:t>
+              <a:t>4/18/2016</a:t>
             </a:fld>
             <a:endParaRPr lang="en-US"/>
           </a:p>
@@ -29214,7 +29353,7 @@
           <a:p>
             <a:fld id="{B9533010-B1B8-4438-9522-9E06D450DA3D}" type="datetimeFigureOut">
               <a:rPr lang="en-US" smtClean="0"/>
-              <a:t>4/14/2016</a:t>
+              <a:t>4/18/2016</a:t>
             </a:fld>
             <a:endParaRPr lang="en-US"/>
           </a:p>
@@ -29462,7 +29601,7 @@
           <a:p>
             <a:fld id="{B9533010-B1B8-4438-9522-9E06D450DA3D}" type="datetimeFigureOut">
               <a:rPr lang="en-US" smtClean="0"/>
-              <a:t>4/14/2016</a:t>
+              <a:t>4/18/2016</a:t>
             </a:fld>
             <a:endParaRPr lang="en-US"/>
           </a:p>
@@ -30002,7 +30141,7 @@
           <a:p>
             <a:fld id="{B9533010-B1B8-4438-9522-9E06D450DA3D}" type="datetimeFigureOut">
               <a:rPr lang="en-US" smtClean="0"/>
-              <a:t>4/14/2016</a:t>
+              <a:t>4/18/2016</a:t>
             </a:fld>
             <a:endParaRPr lang="en-US"/>
           </a:p>
@@ -30250,7 +30389,7 @@
           <a:p>
             <a:fld id="{B9533010-B1B8-4438-9522-9E06D450DA3D}" type="datetimeFigureOut">
               <a:rPr lang="en-US" smtClean="0"/>
-              <a:t>4/14/2016</a:t>
+              <a:t>4/18/2016</a:t>
             </a:fld>
             <a:endParaRPr lang="en-US"/>
           </a:p>
@@ -30782,7 +30921,7 @@
           <a:p>
             <a:fld id="{B9533010-B1B8-4438-9522-9E06D450DA3D}" type="datetimeFigureOut">
               <a:rPr lang="en-US" smtClean="0"/>
-              <a:t>4/14/2016</a:t>
+              <a:t>4/18/2016</a:t>
             </a:fld>
             <a:endParaRPr lang="en-US"/>
           </a:p>
@@ -31079,7 +31218,7 @@
           <a:p>
             <a:fld id="{B9533010-B1B8-4438-9522-9E06D450DA3D}" type="datetimeFigureOut">
               <a:rPr lang="en-US" smtClean="0"/>
-              <a:t>4/14/2016</a:t>
+              <a:t>4/18/2016</a:t>
             </a:fld>
             <a:endParaRPr lang="en-US"/>
           </a:p>
@@ -31253,7 +31392,7 @@
           <a:p>
             <a:fld id="{B9533010-B1B8-4438-9522-9E06D450DA3D}" type="datetimeFigureOut">
               <a:rPr lang="en-US" smtClean="0"/>
-              <a:t>4/14/2016</a:t>
+              <a:t>4/18/2016</a:t>
             </a:fld>
             <a:endParaRPr lang="en-US"/>
           </a:p>
@@ -31433,7 +31572,7 @@
           <a:p>
             <a:fld id="{B9533010-B1B8-4438-9522-9E06D450DA3D}" type="datetimeFigureOut">
               <a:rPr lang="en-US" smtClean="0"/>
-              <a:t>4/14/2016</a:t>
+              <a:t>4/18/2016</a:t>
             </a:fld>
             <a:endParaRPr lang="en-US"/>
           </a:p>
@@ -31603,7 +31742,7 @@
           <a:p>
             <a:fld id="{B9533010-B1B8-4438-9522-9E06D450DA3D}" type="datetimeFigureOut">
               <a:rPr lang="en-US" smtClean="0"/>
-              <a:t>4/14/2016</a:t>
+              <a:t>4/18/2016</a:t>
             </a:fld>
             <a:endParaRPr lang="en-US"/>
           </a:p>
@@ -31854,7 +31993,7 @@
           <a:p>
             <a:fld id="{B9533010-B1B8-4438-9522-9E06D450DA3D}" type="datetimeFigureOut">
               <a:rPr lang="en-US" smtClean="0"/>
-              <a:t>4/14/2016</a:t>
+              <a:t>4/18/2016</a:t>
             </a:fld>
             <a:endParaRPr lang="en-US"/>
           </a:p>
@@ -32151,7 +32290,7 @@
           <a:p>
             <a:fld id="{B9533010-B1B8-4438-9522-9E06D450DA3D}" type="datetimeFigureOut">
               <a:rPr lang="en-US" smtClean="0"/>
-              <a:t>4/14/2016</a:t>
+              <a:t>4/18/2016</a:t>
             </a:fld>
             <a:endParaRPr lang="en-US"/>
           </a:p>
@@ -32593,7 +32732,7 @@
           <a:p>
             <a:fld id="{B9533010-B1B8-4438-9522-9E06D450DA3D}" type="datetimeFigureOut">
               <a:rPr lang="en-US" smtClean="0"/>
-              <a:t>4/14/2016</a:t>
+              <a:t>4/18/2016</a:t>
             </a:fld>
             <a:endParaRPr lang="en-US"/>
           </a:p>
@@ -32711,7 +32850,7 @@
           <a:p>
             <a:fld id="{B9533010-B1B8-4438-9522-9E06D450DA3D}" type="datetimeFigureOut">
               <a:rPr lang="en-US" smtClean="0"/>
-              <a:t>4/14/2016</a:t>
+              <a:t>4/18/2016</a:t>
             </a:fld>
             <a:endParaRPr lang="en-US"/>
           </a:p>
@@ -32806,7 +32945,7 @@
           <a:p>
             <a:fld id="{B9533010-B1B8-4438-9522-9E06D450DA3D}" type="datetimeFigureOut">
               <a:rPr lang="en-US" smtClean="0"/>
-              <a:t>4/14/2016</a:t>
+              <a:t>4/18/2016</a:t>
             </a:fld>
             <a:endParaRPr lang="en-US"/>
           </a:p>
@@ -33089,7 +33228,7 @@
           <a:p>
             <a:fld id="{B9533010-B1B8-4438-9522-9E06D450DA3D}" type="datetimeFigureOut">
               <a:rPr lang="en-US" smtClean="0"/>
-              <a:t>4/14/2016</a:t>
+              <a:t>4/18/2016</a:t>
             </a:fld>
             <a:endParaRPr lang="en-US"/>
           </a:p>
@@ -33380,7 +33519,7 @@
           <a:p>
             <a:fld id="{B9533010-B1B8-4438-9522-9E06D450DA3D}" type="datetimeFigureOut">
               <a:rPr lang="en-US" smtClean="0"/>
-              <a:t>4/14/2016</a:t>
+              <a:t>4/18/2016</a:t>
             </a:fld>
             <a:endParaRPr lang="en-US"/>
           </a:p>
@@ -33910,7 +34049,7 @@
           <a:p>
             <a:fld id="{B9533010-B1B8-4438-9522-9E06D450DA3D}" type="datetimeFigureOut">
               <a:rPr lang="en-US" smtClean="0"/>
-              <a:t>4/14/2016</a:t>
+              <a:t>4/18/2016</a:t>
             </a:fld>
             <a:endParaRPr lang="en-US"/>
           </a:p>
@@ -36977,6 +37116,765 @@
 </p:sld>
 </file>
 
+<file path=ppt/slides/slide9.xml><?xml version="1.0" encoding="utf-8"?>
+<p:sld xmlns:a="http://schemas.openxmlformats.org/drawingml/2006/main" xmlns:r="http://schemas.openxmlformats.org/officeDocument/2006/relationships" xmlns:p="http://schemas.openxmlformats.org/presentationml/2006/main">
+  <p:cSld>
+    <p:spTree>
+      <p:nvGrpSpPr>
+        <p:cNvPr id="1" name=""/>
+        <p:cNvGrpSpPr/>
+        <p:nvPr/>
+      </p:nvGrpSpPr>
+      <p:grpSpPr>
+        <a:xfrm>
+          <a:off x="0" y="0"/>
+          <a:ext cx="0" cy="0"/>
+          <a:chOff x="0" y="0"/>
+          <a:chExt cx="0" cy="0"/>
+        </a:xfrm>
+      </p:grpSpPr>
+      <p:sp>
+        <p:nvSpPr>
+          <p:cNvPr id="2" name="Title 1"/>
+          <p:cNvSpPr>
+            <a:spLocks noGrp="1"/>
+          </p:cNvSpPr>
+          <p:nvPr>
+            <p:ph type="title"/>
+          </p:nvPr>
+        </p:nvSpPr>
+        <p:spPr>
+          <a:xfrm>
+            <a:off x="1584795" y="0"/>
+            <a:ext cx="10607205" cy="653143"/>
+          </a:xfrm>
+        </p:spPr>
+        <p:txBody>
+          <a:bodyPr>
+            <a:normAutofit fontScale="90000"/>
+          </a:bodyPr>
+          <a:lstStyle/>
+          <a:p>
+            <a:r>
+              <a:rPr lang="en-US" dirty="0" smtClean="0"/>
+              <a:t>5. </a:t>
+            </a:r>
+            <a:r>
+              <a:rPr lang="en-US" dirty="0" err="1" smtClean="0"/>
+              <a:t>Kết</a:t>
+            </a:r>
+            <a:r>
+              <a:rPr lang="en-US" dirty="0" smtClean="0"/>
+              <a:t> </a:t>
+            </a:r>
+            <a:r>
+              <a:rPr lang="en-US" dirty="0" err="1" smtClean="0"/>
+              <a:t>quả</a:t>
+            </a:r>
+            <a:r>
+              <a:rPr lang="en-US" dirty="0" smtClean="0"/>
+              <a:t> </a:t>
+            </a:r>
+            <a:r>
+              <a:rPr lang="en-US" dirty="0" err="1" smtClean="0"/>
+              <a:t>nghiên</a:t>
+            </a:r>
+            <a:r>
+              <a:rPr lang="en-US" dirty="0" smtClean="0"/>
+              <a:t> </a:t>
+            </a:r>
+            <a:r>
+              <a:rPr lang="en-US" dirty="0" err="1" smtClean="0"/>
+              <a:t>cứu</a:t>
+            </a:r>
+            <a:r>
+              <a:rPr lang="en-US" dirty="0" smtClean="0"/>
+              <a:t> – </a:t>
+            </a:r>
+            <a:r>
+              <a:rPr lang="en-US" dirty="0" err="1" smtClean="0"/>
+              <a:t>Hướng</a:t>
+            </a:r>
+            <a:r>
+              <a:rPr lang="en-US" dirty="0" smtClean="0"/>
+              <a:t> </a:t>
+            </a:r>
+            <a:r>
+              <a:rPr lang="en-US" dirty="0" err="1" smtClean="0"/>
+              <a:t>phát</a:t>
+            </a:r>
+            <a:r>
+              <a:rPr lang="en-US" dirty="0" smtClean="0"/>
+              <a:t> </a:t>
+            </a:r>
+            <a:r>
+              <a:rPr lang="en-US" dirty="0" err="1" smtClean="0"/>
+              <a:t>triển</a:t>
+            </a:r>
+            <a:endParaRPr lang="en-US" dirty="0"/>
+          </a:p>
+        </p:txBody>
+      </p:sp>
+      <p:sp>
+        <p:nvSpPr>
+          <p:cNvPr id="3" name="Content Placeholder 2"/>
+          <p:cNvSpPr>
+            <a:spLocks noGrp="1"/>
+          </p:cNvSpPr>
+          <p:nvPr>
+            <p:ph idx="1"/>
+          </p:nvPr>
+        </p:nvSpPr>
+        <p:spPr>
+          <a:xfrm>
+            <a:off x="1584795" y="653143"/>
+            <a:ext cx="10018713" cy="3124201"/>
+          </a:xfrm>
+        </p:spPr>
+        <p:txBody>
+          <a:bodyPr/>
+          <a:lstStyle/>
+          <a:p>
+            <a:r>
+              <a:rPr lang="en-US" dirty="0" smtClean="0"/>
+              <a:t>1. </a:t>
+            </a:r>
+            <a:r>
+              <a:rPr lang="en-US" dirty="0" err="1" smtClean="0"/>
+              <a:t>Mở</a:t>
+            </a:r>
+            <a:r>
+              <a:rPr lang="en-US" dirty="0" smtClean="0"/>
+              <a:t> </a:t>
+            </a:r>
+            <a:r>
+              <a:rPr lang="en-US" dirty="0" err="1" smtClean="0"/>
+              <a:t>rộng</a:t>
+            </a:r>
+            <a:r>
+              <a:rPr lang="en-US" dirty="0" smtClean="0"/>
+              <a:t> </a:t>
+            </a:r>
+            <a:r>
+              <a:rPr lang="en-US" dirty="0" err="1" smtClean="0"/>
+              <a:t>khả</a:t>
+            </a:r>
+            <a:r>
+              <a:rPr lang="en-US" dirty="0" smtClean="0"/>
+              <a:t> </a:t>
+            </a:r>
+            <a:r>
+              <a:rPr lang="en-US" dirty="0" err="1" smtClean="0"/>
+              <a:t>năng</a:t>
+            </a:r>
+            <a:r>
+              <a:rPr lang="en-US" dirty="0" smtClean="0"/>
+              <a:t> </a:t>
+            </a:r>
+            <a:r>
+              <a:rPr lang="en-US" dirty="0" err="1" smtClean="0"/>
+              <a:t>hoạt</a:t>
+            </a:r>
+            <a:r>
+              <a:rPr lang="en-US" dirty="0" smtClean="0"/>
+              <a:t> </a:t>
+            </a:r>
+            <a:r>
+              <a:rPr lang="en-US" dirty="0" err="1" smtClean="0"/>
+              <a:t>động</a:t>
+            </a:r>
+            <a:r>
+              <a:rPr lang="en-US" dirty="0" smtClean="0"/>
+              <a:t> </a:t>
+            </a:r>
+            <a:r>
+              <a:rPr lang="en-US" dirty="0" err="1" smtClean="0"/>
+              <a:t>với</a:t>
+            </a:r>
+            <a:r>
+              <a:rPr lang="en-US" dirty="0" smtClean="0"/>
+              <a:t> </a:t>
+            </a:r>
+            <a:r>
+              <a:rPr lang="en-US" dirty="0" err="1" smtClean="0"/>
+              <a:t>các</a:t>
+            </a:r>
+            <a:r>
+              <a:rPr lang="en-US" dirty="0" smtClean="0"/>
+              <a:t> </a:t>
+            </a:r>
+            <a:r>
+              <a:rPr lang="en-US" dirty="0" err="1" smtClean="0"/>
+              <a:t>loại</a:t>
+            </a:r>
+            <a:r>
+              <a:rPr lang="en-US" dirty="0" smtClean="0"/>
+              <a:t> </a:t>
+            </a:r>
+            <a:r>
+              <a:rPr lang="en-US" dirty="0" err="1" smtClean="0"/>
+              <a:t>cảm</a:t>
+            </a:r>
+            <a:r>
+              <a:rPr lang="en-US" dirty="0" smtClean="0"/>
+              <a:t> </a:t>
+            </a:r>
+            <a:r>
+              <a:rPr lang="en-US" dirty="0" err="1" smtClean="0"/>
+              <a:t>biến</a:t>
+            </a:r>
+            <a:r>
+              <a:rPr lang="en-US" dirty="0" smtClean="0"/>
+              <a:t> </a:t>
+            </a:r>
+            <a:r>
+              <a:rPr lang="en-US" dirty="0" err="1" smtClean="0"/>
+              <a:t>như</a:t>
+            </a:r>
+            <a:r>
+              <a:rPr lang="en-US" dirty="0" smtClean="0"/>
+              <a:t> </a:t>
+            </a:r>
+            <a:r>
+              <a:rPr lang="en-US" dirty="0" err="1" smtClean="0"/>
+              <a:t>cảm</a:t>
+            </a:r>
+            <a:r>
+              <a:rPr lang="en-US" dirty="0" smtClean="0"/>
+              <a:t> </a:t>
+            </a:r>
+            <a:r>
+              <a:rPr lang="en-US" dirty="0" err="1" smtClean="0"/>
+              <a:t>biến</a:t>
+            </a:r>
+            <a:r>
+              <a:rPr lang="en-US" dirty="0" smtClean="0"/>
+              <a:t> </a:t>
+            </a:r>
+            <a:r>
+              <a:rPr lang="en-US" dirty="0" err="1" smtClean="0"/>
+              <a:t>nhiệt</a:t>
+            </a:r>
+            <a:r>
+              <a:rPr lang="en-US" dirty="0" smtClean="0"/>
+              <a:t> </a:t>
+            </a:r>
+            <a:r>
+              <a:rPr lang="en-US" dirty="0" err="1" smtClean="0"/>
+              <a:t>hồng</a:t>
+            </a:r>
+            <a:r>
+              <a:rPr lang="en-US" dirty="0" smtClean="0"/>
+              <a:t> </a:t>
+            </a:r>
+            <a:r>
+              <a:rPr lang="en-US" dirty="0" err="1" smtClean="0"/>
+              <a:t>ngoại</a:t>
+            </a:r>
+            <a:r>
+              <a:rPr lang="en-US" dirty="0" smtClean="0"/>
+              <a:t>, </a:t>
+            </a:r>
+            <a:r>
+              <a:rPr lang="en-US" dirty="0" err="1" smtClean="0"/>
+              <a:t>cảm</a:t>
+            </a:r>
+            <a:r>
+              <a:rPr lang="en-US" dirty="0" smtClean="0"/>
+              <a:t> </a:t>
+            </a:r>
+            <a:r>
+              <a:rPr lang="en-US" dirty="0" err="1" smtClean="0"/>
+              <a:t>biến</a:t>
+            </a:r>
+            <a:r>
+              <a:rPr lang="en-US" dirty="0" smtClean="0"/>
+              <a:t> </a:t>
+            </a:r>
+            <a:r>
+              <a:rPr lang="en-US" dirty="0" err="1" smtClean="0"/>
+              <a:t>âm</a:t>
+            </a:r>
+            <a:r>
+              <a:rPr lang="en-US" dirty="0" smtClean="0"/>
+              <a:t> </a:t>
+            </a:r>
+            <a:r>
+              <a:rPr lang="en-US" dirty="0" err="1" smtClean="0"/>
+              <a:t>thanh</a:t>
+            </a:r>
+            <a:r>
+              <a:rPr lang="en-US" dirty="0" smtClean="0"/>
+              <a:t>, </a:t>
+            </a:r>
+            <a:r>
+              <a:rPr lang="en-US" dirty="0" err="1" smtClean="0"/>
+              <a:t>cảm</a:t>
+            </a:r>
+            <a:r>
+              <a:rPr lang="en-US" dirty="0" smtClean="0"/>
+              <a:t> </a:t>
+            </a:r>
+            <a:r>
+              <a:rPr lang="en-US" dirty="0" err="1" smtClean="0"/>
+              <a:t>biến</a:t>
+            </a:r>
+            <a:r>
+              <a:rPr lang="en-US" dirty="0" smtClean="0"/>
+              <a:t> </a:t>
+            </a:r>
+            <a:r>
+              <a:rPr lang="en-US" dirty="0" err="1" smtClean="0"/>
+              <a:t>khói</a:t>
+            </a:r>
+            <a:r>
+              <a:rPr lang="en-US" dirty="0" smtClean="0"/>
+              <a:t> v.v</a:t>
+            </a:r>
+            <a:r>
+              <a:rPr lang="en-US" dirty="0"/>
+              <a:t>.</a:t>
+            </a:r>
+            <a:r>
+              <a:rPr lang="en-US" dirty="0" smtClean="0"/>
+              <a:t>, </a:t>
+            </a:r>
+            <a:r>
+              <a:rPr lang="en-US" dirty="0" err="1" smtClean="0"/>
+              <a:t>tăng</a:t>
+            </a:r>
+            <a:r>
+              <a:rPr lang="en-US" dirty="0" smtClean="0"/>
+              <a:t> </a:t>
+            </a:r>
+            <a:r>
+              <a:rPr lang="en-US" dirty="0" err="1" smtClean="0"/>
+              <a:t>hiệu</a:t>
+            </a:r>
+            <a:r>
+              <a:rPr lang="en-US" dirty="0" smtClean="0"/>
+              <a:t> </a:t>
+            </a:r>
+            <a:r>
+              <a:rPr lang="en-US" dirty="0" err="1" smtClean="0"/>
+              <a:t>quả</a:t>
+            </a:r>
+            <a:r>
+              <a:rPr lang="en-US" dirty="0" smtClean="0"/>
+              <a:t> </a:t>
+            </a:r>
+            <a:r>
+              <a:rPr lang="en-US" dirty="0" err="1" smtClean="0"/>
+              <a:t>của</a:t>
+            </a:r>
+            <a:r>
+              <a:rPr lang="en-US" dirty="0" smtClean="0"/>
+              <a:t> </a:t>
+            </a:r>
+            <a:r>
+              <a:rPr lang="en-US" dirty="0" err="1" smtClean="0"/>
+              <a:t>việc</a:t>
+            </a:r>
+            <a:r>
+              <a:rPr lang="en-US" dirty="0" smtClean="0"/>
+              <a:t> </a:t>
+            </a:r>
+            <a:r>
+              <a:rPr lang="en-US" dirty="0" err="1" smtClean="0"/>
+              <a:t>giám</a:t>
+            </a:r>
+            <a:r>
+              <a:rPr lang="en-US" dirty="0" smtClean="0"/>
+              <a:t> </a:t>
+            </a:r>
+            <a:r>
+              <a:rPr lang="en-US" dirty="0" err="1" smtClean="0"/>
+              <a:t>sát</a:t>
+            </a:r>
+            <a:r>
+              <a:rPr lang="en-US" dirty="0" smtClean="0"/>
+              <a:t>.</a:t>
+            </a:r>
+          </a:p>
+          <a:p>
+            <a:r>
+              <a:rPr lang="en-US" dirty="0" smtClean="0"/>
+              <a:t>2. </a:t>
+            </a:r>
+            <a:r>
+              <a:rPr lang="en-US" dirty="0" err="1" smtClean="0"/>
+              <a:t>Xây</a:t>
+            </a:r>
+            <a:r>
+              <a:rPr lang="en-US" dirty="0" smtClean="0"/>
+              <a:t> </a:t>
+            </a:r>
+            <a:r>
+              <a:rPr lang="en-US" dirty="0" err="1" smtClean="0"/>
+              <a:t>dựng</a:t>
+            </a:r>
+            <a:r>
+              <a:rPr lang="en-US" dirty="0" smtClean="0"/>
+              <a:t> </a:t>
+            </a:r>
+            <a:r>
+              <a:rPr lang="en-US" dirty="0" err="1" smtClean="0"/>
+              <a:t>ứng</a:t>
+            </a:r>
+            <a:r>
+              <a:rPr lang="en-US" dirty="0" smtClean="0"/>
+              <a:t> </a:t>
+            </a:r>
+            <a:r>
+              <a:rPr lang="en-US" dirty="0" err="1" smtClean="0"/>
+              <a:t>dụng</a:t>
+            </a:r>
+            <a:r>
+              <a:rPr lang="en-US" dirty="0" smtClean="0"/>
+              <a:t> </a:t>
+            </a:r>
+            <a:r>
+              <a:rPr lang="en-US" dirty="0" err="1" smtClean="0"/>
+              <a:t>trên</a:t>
+            </a:r>
+            <a:r>
+              <a:rPr lang="en-US" dirty="0" smtClean="0"/>
+              <a:t> </a:t>
+            </a:r>
+            <a:r>
+              <a:rPr lang="en-US" dirty="0" err="1" smtClean="0"/>
+              <a:t>nền</a:t>
+            </a:r>
+            <a:r>
+              <a:rPr lang="en-US" dirty="0" smtClean="0"/>
+              <a:t> web </a:t>
+            </a:r>
+            <a:r>
+              <a:rPr lang="en-US" dirty="0" err="1" smtClean="0"/>
+              <a:t>và</a:t>
+            </a:r>
+            <a:r>
+              <a:rPr lang="en-US" dirty="0" smtClean="0"/>
+              <a:t> di </a:t>
+            </a:r>
+            <a:r>
+              <a:rPr lang="en-US" dirty="0" err="1" smtClean="0"/>
+              <a:t>dộng</a:t>
+            </a:r>
+            <a:r>
+              <a:rPr lang="en-US" dirty="0" smtClean="0"/>
+              <a:t>, </a:t>
+            </a:r>
+            <a:r>
+              <a:rPr lang="en-US" dirty="0" err="1" smtClean="0"/>
+              <a:t>giúp</a:t>
+            </a:r>
+            <a:r>
+              <a:rPr lang="en-US" dirty="0" smtClean="0"/>
+              <a:t> </a:t>
+            </a:r>
+            <a:r>
+              <a:rPr lang="en-US" dirty="0" err="1" smtClean="0"/>
+              <a:t>người</a:t>
+            </a:r>
+            <a:r>
+              <a:rPr lang="en-US" dirty="0" smtClean="0"/>
+              <a:t> dung </a:t>
+            </a:r>
+            <a:r>
+              <a:rPr lang="en-US" dirty="0" err="1" smtClean="0"/>
+              <a:t>có</a:t>
+            </a:r>
+            <a:r>
+              <a:rPr lang="en-US" dirty="0" smtClean="0"/>
+              <a:t> </a:t>
+            </a:r>
+            <a:r>
+              <a:rPr lang="en-US" dirty="0" err="1" smtClean="0"/>
+              <a:t>thể</a:t>
+            </a:r>
+            <a:r>
+              <a:rPr lang="en-US" dirty="0" smtClean="0"/>
+              <a:t> </a:t>
+            </a:r>
+            <a:r>
+              <a:rPr lang="en-US" dirty="0" err="1" smtClean="0"/>
+              <a:t>theo</a:t>
+            </a:r>
+            <a:r>
+              <a:rPr lang="en-US" dirty="0" smtClean="0"/>
+              <a:t> </a:t>
+            </a:r>
+            <a:r>
+              <a:rPr lang="en-US" dirty="0" err="1" smtClean="0"/>
+              <a:t>dõi</a:t>
+            </a:r>
+            <a:r>
+              <a:rPr lang="en-US" dirty="0" smtClean="0"/>
+              <a:t> </a:t>
+            </a:r>
+            <a:r>
+              <a:rPr lang="en-US" dirty="0" err="1" smtClean="0"/>
+              <a:t>từ</a:t>
+            </a:r>
+            <a:r>
+              <a:rPr lang="en-US" dirty="0" smtClean="0"/>
+              <a:t> </a:t>
+            </a:r>
+            <a:r>
+              <a:rPr lang="en-US" dirty="0" err="1" smtClean="0"/>
+              <a:t>xa</a:t>
+            </a:r>
+            <a:r>
+              <a:rPr lang="en-US" dirty="0" smtClean="0"/>
+              <a:t>, </a:t>
+            </a:r>
+            <a:r>
+              <a:rPr lang="en-US" dirty="0" err="1" smtClean="0"/>
+              <a:t>được</a:t>
+            </a:r>
+            <a:r>
+              <a:rPr lang="en-US" dirty="0" smtClean="0"/>
+              <a:t> </a:t>
+            </a:r>
+            <a:r>
+              <a:rPr lang="en-US" dirty="0" err="1" smtClean="0"/>
+              <a:t>cảnh</a:t>
+            </a:r>
+            <a:r>
+              <a:rPr lang="en-US" dirty="0" smtClean="0"/>
+              <a:t> </a:t>
+            </a:r>
+            <a:r>
+              <a:rPr lang="en-US" dirty="0" err="1" smtClean="0"/>
+              <a:t>báo</a:t>
+            </a:r>
+            <a:r>
+              <a:rPr lang="en-US" dirty="0" smtClean="0"/>
+              <a:t> </a:t>
+            </a:r>
+            <a:r>
+              <a:rPr lang="en-US" dirty="0" err="1" smtClean="0"/>
+              <a:t>sớm</a:t>
+            </a:r>
+            <a:r>
+              <a:rPr lang="en-US" dirty="0" smtClean="0"/>
+              <a:t> </a:t>
+            </a:r>
+            <a:r>
+              <a:rPr lang="en-US" dirty="0" err="1" smtClean="0"/>
+              <a:t>để</a:t>
+            </a:r>
+            <a:r>
+              <a:rPr lang="en-US" dirty="0" smtClean="0"/>
+              <a:t> </a:t>
+            </a:r>
+            <a:r>
+              <a:rPr lang="en-US" dirty="0" err="1" smtClean="0"/>
+              <a:t>đưa</a:t>
+            </a:r>
+            <a:r>
+              <a:rPr lang="en-US" dirty="0" smtClean="0"/>
+              <a:t> </a:t>
+            </a:r>
+            <a:r>
+              <a:rPr lang="en-US" dirty="0" err="1" smtClean="0"/>
+              <a:t>ra</a:t>
+            </a:r>
+            <a:r>
+              <a:rPr lang="en-US" dirty="0" smtClean="0"/>
+              <a:t> </a:t>
+            </a:r>
+            <a:r>
+              <a:rPr lang="en-US" dirty="0" err="1" smtClean="0"/>
+              <a:t>các</a:t>
+            </a:r>
+            <a:r>
+              <a:rPr lang="en-US" dirty="0" smtClean="0"/>
+              <a:t> </a:t>
+            </a:r>
+            <a:r>
+              <a:rPr lang="en-US" dirty="0" err="1" smtClean="0"/>
+              <a:t>biện</a:t>
+            </a:r>
+            <a:r>
+              <a:rPr lang="en-US" dirty="0" smtClean="0"/>
+              <a:t> </a:t>
+            </a:r>
+            <a:r>
+              <a:rPr lang="en-US" dirty="0" err="1" smtClean="0"/>
+              <a:t>pháp</a:t>
+            </a:r>
+            <a:r>
+              <a:rPr lang="en-US" dirty="0" smtClean="0"/>
+              <a:t> </a:t>
+            </a:r>
+            <a:r>
+              <a:rPr lang="en-US" dirty="0" err="1" smtClean="0"/>
+              <a:t>ứng</a:t>
+            </a:r>
+            <a:r>
+              <a:rPr lang="en-US" dirty="0" smtClean="0"/>
+              <a:t> </a:t>
+            </a:r>
+            <a:r>
+              <a:rPr lang="en-US" dirty="0" err="1" smtClean="0"/>
+              <a:t>phó</a:t>
+            </a:r>
+            <a:r>
+              <a:rPr lang="en-US" dirty="0" smtClean="0"/>
+              <a:t> </a:t>
+            </a:r>
+            <a:r>
+              <a:rPr lang="en-US" dirty="0" err="1" smtClean="0"/>
+              <a:t>thích</a:t>
+            </a:r>
+            <a:r>
+              <a:rPr lang="en-US" dirty="0" smtClean="0"/>
+              <a:t> </a:t>
+            </a:r>
+            <a:r>
+              <a:rPr lang="en-US" dirty="0" err="1" smtClean="0"/>
+              <a:t>hợp</a:t>
+            </a:r>
+            <a:r>
+              <a:rPr lang="en-US" dirty="0" smtClean="0"/>
+              <a:t>.</a:t>
+            </a:r>
+          </a:p>
+          <a:p>
+            <a:r>
+              <a:rPr lang="en-US" dirty="0" smtClean="0"/>
+              <a:t>3. </a:t>
+            </a:r>
+            <a:r>
+              <a:rPr lang="en-US" dirty="0" err="1" smtClean="0"/>
+              <a:t>Xây</a:t>
+            </a:r>
+            <a:r>
+              <a:rPr lang="en-US" dirty="0" smtClean="0"/>
+              <a:t> </a:t>
+            </a:r>
+            <a:r>
+              <a:rPr lang="en-US" dirty="0" err="1" smtClean="0"/>
+              <a:t>dựng</a:t>
+            </a:r>
+            <a:r>
+              <a:rPr lang="en-US" dirty="0" smtClean="0"/>
+              <a:t> </a:t>
+            </a:r>
+            <a:r>
+              <a:rPr lang="en-US" dirty="0" err="1" smtClean="0"/>
+              <a:t>hệ</a:t>
+            </a:r>
+            <a:r>
+              <a:rPr lang="en-US" dirty="0" smtClean="0"/>
+              <a:t> </a:t>
+            </a:r>
+            <a:r>
+              <a:rPr lang="en-US" dirty="0" err="1" smtClean="0"/>
+              <a:t>thống</a:t>
+            </a:r>
+            <a:r>
+              <a:rPr lang="en-US" dirty="0" smtClean="0"/>
+              <a:t> </a:t>
+            </a:r>
+            <a:r>
+              <a:rPr lang="en-US" dirty="0" err="1" smtClean="0"/>
+              <a:t>trên</a:t>
+            </a:r>
+            <a:r>
+              <a:rPr lang="en-US" dirty="0" smtClean="0"/>
+              <a:t> </a:t>
+            </a:r>
+            <a:r>
+              <a:rPr lang="en-US" dirty="0" err="1" smtClean="0"/>
+              <a:t>nền</a:t>
+            </a:r>
+            <a:r>
+              <a:rPr lang="en-US" dirty="0" smtClean="0"/>
+              <a:t> single-board computer (Raspberry) </a:t>
+            </a:r>
+            <a:r>
+              <a:rPr lang="en-US" dirty="0" err="1" smtClean="0"/>
+              <a:t>nhằm</a:t>
+            </a:r>
+            <a:r>
+              <a:rPr lang="en-US" dirty="0" smtClean="0"/>
+              <a:t> </a:t>
+            </a:r>
+            <a:r>
+              <a:rPr lang="en-US" dirty="0" err="1" smtClean="0"/>
+              <a:t>tiết</a:t>
+            </a:r>
+            <a:r>
+              <a:rPr lang="en-US" dirty="0" smtClean="0"/>
+              <a:t> </a:t>
+            </a:r>
+            <a:r>
+              <a:rPr lang="en-US" dirty="0" err="1" smtClean="0"/>
+              <a:t>kiệm</a:t>
+            </a:r>
+            <a:r>
+              <a:rPr lang="en-US" dirty="0" smtClean="0"/>
+              <a:t> chi </a:t>
+            </a:r>
+            <a:r>
+              <a:rPr lang="en-US" dirty="0" err="1" smtClean="0"/>
+              <a:t>phí</a:t>
+            </a:r>
+            <a:r>
+              <a:rPr lang="en-US" dirty="0" smtClean="0"/>
+              <a:t> </a:t>
+            </a:r>
+            <a:r>
+              <a:rPr lang="en-US" dirty="0" err="1" smtClean="0"/>
+              <a:t>và</a:t>
+            </a:r>
+            <a:r>
+              <a:rPr lang="en-US" dirty="0" smtClean="0"/>
+              <a:t> </a:t>
+            </a:r>
+            <a:r>
+              <a:rPr lang="en-US" dirty="0" err="1" smtClean="0"/>
+              <a:t>năng</a:t>
+            </a:r>
+            <a:r>
+              <a:rPr lang="en-US" dirty="0" smtClean="0"/>
+              <a:t> </a:t>
+            </a:r>
+            <a:r>
+              <a:rPr lang="en-US" dirty="0" err="1" smtClean="0"/>
+              <a:t>lượng</a:t>
+            </a:r>
+            <a:r>
+              <a:rPr lang="en-US" dirty="0" smtClean="0"/>
+              <a:t>.</a:t>
+            </a:r>
+            <a:endParaRPr lang="en-US" dirty="0"/>
+          </a:p>
+        </p:txBody>
+      </p:sp>
+    </p:spTree>
+    <p:extLst>
+      <p:ext uri="{BB962C8B-B14F-4D97-AF65-F5344CB8AC3E}">
+        <p14:creationId xmlns:p14="http://schemas.microsoft.com/office/powerpoint/2010/main" val="4027386495"/>
+      </p:ext>
+    </p:extLst>
+  </p:cSld>
+  <p:clrMapOvr>
+    <a:masterClrMapping/>
+  </p:clrMapOvr>
+  <p:timing>
+    <p:tnLst>
+      <p:par>
+        <p:cTn id="1" dur="indefinite" restart="never" nodeType="tmRoot"/>
+      </p:par>
+    </p:tnLst>
+  </p:timing>
+</p:sld>
+</file>
+
 <file path=ppt/theme/theme1.xml><?xml version="1.0" encoding="utf-8"?>
 <a:theme xmlns:a="http://schemas.openxmlformats.org/drawingml/2006/main" name="Parallax">
   <a:themeElements>
